--- a/presentations/09-Security.pptx
+++ b/presentations/09-Security.pptx
@@ -5,7 +5,7 @@
     <p:sldMasterId id="2147483648" r:id="rId1"/>
   </p:sldMasterIdLst>
   <p:notesMasterIdLst>
-    <p:notesMasterId r:id="rId29"/>
+    <p:notesMasterId r:id="rId36"/>
   </p:notesMasterIdLst>
   <p:sldIdLst>
     <p:sldId id="256" r:id="rId2"/>
@@ -34,7 +34,14 @@
     <p:sldId id="272" r:id="rId25"/>
     <p:sldId id="267" r:id="rId26"/>
     <p:sldId id="275" r:id="rId27"/>
-    <p:sldId id="278" r:id="rId28"/>
+    <p:sldId id="286" r:id="rId28"/>
+    <p:sldId id="283" r:id="rId29"/>
+    <p:sldId id="285" r:id="rId30"/>
+    <p:sldId id="284" r:id="rId31"/>
+    <p:sldId id="288" r:id="rId32"/>
+    <p:sldId id="287" r:id="rId33"/>
+    <p:sldId id="289" r:id="rId34"/>
+    <p:sldId id="278" r:id="rId35"/>
   </p:sldIdLst>
   <p:sldSz cx="9144000" cy="6858000" type="screen4x3"/>
   <p:notesSz cx="6858000" cy="9144000"/>
@@ -4878,7 +4885,6 @@
               <a:rPr lang="en-US" dirty="0"/>
               <a:t>encrypted two-way data channel </a:t>
             </a:r>
-            <a:endParaRPr lang="en-US" dirty="0"/>
           </a:p>
           <a:p>
             <a:r>
@@ -4889,7 +4895,6 @@
               <a:rPr lang="en-US" dirty="0"/>
               <a:t>standard and straightforward </a:t>
             </a:r>
-            <a:endParaRPr lang="en-US" dirty="0"/>
           </a:p>
           <a:p>
             <a:r>
@@ -4900,7 +4905,6 @@
               <a:rPr lang="en-US" dirty="0"/>
               <a:t>highly trustworthy </a:t>
             </a:r>
-            <a:endParaRPr lang="en-US" dirty="0"/>
           </a:p>
           <a:p>
             <a:r>
@@ -4911,7 +4915,6 @@
               <a:rPr lang="en-US" dirty="0"/>
               <a:t>entirely point-to-point </a:t>
             </a:r>
-            <a:endParaRPr lang="en-US" dirty="0"/>
           </a:p>
           <a:p>
             <a:r>
@@ -4941,7 +4944,6 @@
               <a:rPr lang="en-US" dirty="0"/>
               <a:t>protocol-based; no scope for fine-grained authorization </a:t>
             </a:r>
-            <a:endParaRPr lang="en-US" dirty="0"/>
           </a:p>
         </p:txBody>
       </p:sp>
@@ -5153,7 +5155,17 @@
           <a:p>
             <a:r>
               <a:rPr lang="en-US" dirty="0" smtClean="0"/>
-              <a:t>Non-Repudiation</a:t>
+              <a:t>Non-</a:t>
+            </a:r>
+            <a:r>
+              <a:rPr lang="en-US" dirty="0" smtClean="0"/>
+              <a:t>Repudiation</a:t>
+            </a:r>
+          </a:p>
+          <a:p>
+            <a:r>
+              <a:rPr lang="en-US" dirty="0" smtClean="0"/>
+              <a:t>Authorization</a:t>
             </a:r>
             <a:endParaRPr lang="en-US" dirty="0"/>
           </a:p>
@@ -5881,11 +5893,7 @@
           <a:p>
             <a:r>
               <a:rPr lang="en-US" dirty="0" smtClean="0"/>
-              <a:t>Web Services </a:t>
-            </a:r>
-            <a:r>
-              <a:rPr lang="en-US" dirty="0" smtClean="0"/>
-              <a:t>Security</a:t>
+              <a:t>Web Services Security</a:t>
             </a:r>
             <a:br>
               <a:rPr lang="en-US" dirty="0" smtClean="0"/>
@@ -6051,87 +6059,8 @@
           <a:p>
             <a:r>
               <a:rPr lang="en-US" dirty="0" smtClean="0"/>
-              <a:t>Resources</a:t>
-            </a:r>
-            <a:endParaRPr lang="en-US" dirty="0"/>
-          </a:p>
-        </p:txBody>
-      </p:sp>
-      <p:sp>
-        <p:nvSpPr>
-          <p:cNvPr id="3" name="Content Placeholder 2"/>
-          <p:cNvSpPr>
-            <a:spLocks noGrp="1"/>
-          </p:cNvSpPr>
-          <p:nvPr>
-            <p:ph idx="1"/>
-          </p:nvPr>
-        </p:nvSpPr>
-        <p:spPr/>
-        <p:txBody>
-          <a:bodyPr/>
-          <a:lstStyle/>
-          <a:p>
-            <a:r>
-              <a:rPr lang="en-US" dirty="0"/>
-              <a:t>Applied </a:t>
-            </a:r>
-            <a:r>
-              <a:rPr lang="en-US" dirty="0" smtClean="0"/>
-              <a:t>Cryptography, Second Edition, Bruce </a:t>
-            </a:r>
-            <a:r>
-              <a:rPr lang="en-US" dirty="0" err="1" smtClean="0"/>
-              <a:t>Schneier</a:t>
-            </a:r>
-            <a:r>
-              <a:rPr lang="en-US" dirty="0" smtClean="0"/>
-              <a:t>, John </a:t>
-            </a:r>
-            <a:r>
-              <a:rPr lang="en-US" dirty="0"/>
-              <a:t>Wiley &amp; Sons, </a:t>
-            </a:r>
-            <a:r>
-              <a:rPr lang="en-US" dirty="0" smtClean="0"/>
-              <a:t>1996, ISBN </a:t>
-            </a:r>
-            <a:r>
-              <a:rPr lang="en-US" dirty="0"/>
-              <a:t>0-471-11709-9 </a:t>
-            </a:r>
-            <a:endParaRPr lang="en-US" dirty="0" smtClean="0"/>
-          </a:p>
-          <a:p>
-            <a:r>
-              <a:rPr lang="en-US" dirty="0"/>
-              <a:t>Web Services </a:t>
-            </a:r>
-            <a:r>
-              <a:rPr lang="en-US" dirty="0" smtClean="0"/>
-              <a:t>Security, </a:t>
-            </a:r>
-            <a:r>
-              <a:rPr lang="en-US" dirty="0"/>
-              <a:t>Mark O’Neill, 2003, </a:t>
-            </a:r>
-            <a:r>
-              <a:rPr lang="en-US"/>
-              <a:t>ISBN </a:t>
-            </a:r>
-            <a:r>
-              <a:rPr lang="en-US" smtClean="0"/>
-              <a:t>0072224711</a:t>
-            </a:r>
-            <a:endParaRPr lang="en-US" dirty="0" smtClean="0"/>
-          </a:p>
-          <a:p>
-            <a:r>
-              <a:rPr lang="en-US" dirty="0" smtClean="0"/>
-              <a:t>Google (sorry but there are too many links!)</a:t>
-            </a:r>
-          </a:p>
-          <a:p>
+              <a:t>Authorization</a:t>
+            </a:r>
             <a:endParaRPr lang="en-US" dirty="0"/>
           </a:p>
         </p:txBody>
@@ -6139,7 +6068,236 @@
     </p:spTree>
     <p:extLst>
       <p:ext uri="{BB962C8B-B14F-4D97-AF65-F5344CB8AC3E}">
-        <p14:creationId xmlns:p14="http://schemas.microsoft.com/office/powerpoint/2010/main" val="1661868161"/>
+        <p14:creationId xmlns:p14="http://schemas.microsoft.com/office/powerpoint/2010/main" val="2419519693"/>
+      </p:ext>
+    </p:extLst>
+  </p:cSld>
+  <p:clrMapOvr>
+    <a:masterClrMapping/>
+  </p:clrMapOvr>
+</p:sld>
+</file>
+
+<file path=ppt/slides/slide28.xml><?xml version="1.0" encoding="utf-8"?>
+<p:sld xmlns:a="http://schemas.openxmlformats.org/drawingml/2006/main" xmlns:r="http://schemas.openxmlformats.org/officeDocument/2006/relationships" xmlns:p="http://schemas.openxmlformats.org/presentationml/2006/main">
+  <p:cSld>
+    <p:spTree>
+      <p:nvGrpSpPr>
+        <p:cNvPr id="1" name=""/>
+        <p:cNvGrpSpPr/>
+        <p:nvPr/>
+      </p:nvGrpSpPr>
+      <p:grpSpPr>
+        <a:xfrm>
+          <a:off x="0" y="0"/>
+          <a:ext cx="0" cy="0"/>
+          <a:chOff x="0" y="0"/>
+          <a:chExt cx="0" cy="0"/>
+        </a:xfrm>
+      </p:grpSpPr>
+      <p:sp>
+        <p:nvSpPr>
+          <p:cNvPr id="2" name="Title 1"/>
+          <p:cNvSpPr>
+            <a:spLocks noGrp="1"/>
+          </p:cNvSpPr>
+          <p:nvPr>
+            <p:ph type="title"/>
+          </p:nvPr>
+        </p:nvSpPr>
+        <p:spPr/>
+        <p:txBody>
+          <a:bodyPr/>
+          <a:lstStyle/>
+          <a:p>
+            <a:r>
+              <a:rPr lang="en-US" dirty="0" smtClean="0"/>
+              <a:t>Access Control</a:t>
+            </a:r>
+            <a:endParaRPr lang="en-US" dirty="0"/>
+          </a:p>
+        </p:txBody>
+      </p:sp>
+      <p:sp>
+        <p:nvSpPr>
+          <p:cNvPr id="3" name="Content Placeholder 2"/>
+          <p:cNvSpPr>
+            <a:spLocks noGrp="1"/>
+          </p:cNvSpPr>
+          <p:nvPr>
+            <p:ph idx="1"/>
+          </p:nvPr>
+        </p:nvSpPr>
+        <p:spPr/>
+        <p:txBody>
+          <a:bodyPr>
+            <a:noAutofit/>
+          </a:bodyPr>
+          <a:lstStyle/>
+          <a:p>
+            <a:r>
+              <a:rPr lang="en-US" sz="2800" dirty="0" smtClean="0"/>
+              <a:t>Traditionally Authorization has been</a:t>
+            </a:r>
+          </a:p>
+          <a:p>
+            <a:pPr lvl="1"/>
+            <a:r>
+              <a:rPr lang="en-US" dirty="0" smtClean="0"/>
+              <a:t>Role-based</a:t>
+            </a:r>
+          </a:p>
+          <a:p>
+            <a:pPr lvl="2"/>
+            <a:r>
+              <a:rPr lang="en-US" dirty="0" smtClean="0"/>
+              <a:t>If I am a manager then I can look at salaries</a:t>
+            </a:r>
+          </a:p>
+          <a:p>
+            <a:pPr lvl="2"/>
+            <a:r>
+              <a:rPr lang="en-US" dirty="0" smtClean="0"/>
+              <a:t>Based only on user </a:t>
+            </a:r>
+          </a:p>
+          <a:p>
+            <a:pPr lvl="1"/>
+            <a:r>
+              <a:rPr lang="en-US" dirty="0" smtClean="0"/>
+              <a:t>Hard-coded</a:t>
+            </a:r>
+          </a:p>
+          <a:p>
+            <a:pPr lvl="2"/>
+            <a:r>
+              <a:rPr lang="en-US" dirty="0" smtClean="0"/>
+              <a:t>Authorization rules encapsulated in code and applications</a:t>
+            </a:r>
+          </a:p>
+        </p:txBody>
+      </p:sp>
+    </p:spTree>
+    <p:extLst>
+      <p:ext uri="{BB962C8B-B14F-4D97-AF65-F5344CB8AC3E}">
+        <p14:creationId xmlns:p14="http://schemas.microsoft.com/office/powerpoint/2010/main" val="1799726762"/>
+      </p:ext>
+    </p:extLst>
+  </p:cSld>
+  <p:clrMapOvr>
+    <a:masterClrMapping/>
+  </p:clrMapOvr>
+</p:sld>
+</file>
+
+<file path=ppt/slides/slide29.xml><?xml version="1.0" encoding="utf-8"?>
+<p:sld xmlns:a="http://schemas.openxmlformats.org/drawingml/2006/main" xmlns:r="http://schemas.openxmlformats.org/officeDocument/2006/relationships" xmlns:p="http://schemas.openxmlformats.org/presentationml/2006/main">
+  <p:cSld>
+    <p:spTree>
+      <p:nvGrpSpPr>
+        <p:cNvPr id="1" name=""/>
+        <p:cNvGrpSpPr/>
+        <p:nvPr/>
+      </p:nvGrpSpPr>
+      <p:grpSpPr>
+        <a:xfrm>
+          <a:off x="0" y="0"/>
+          <a:ext cx="0" cy="0"/>
+          <a:chOff x="0" y="0"/>
+          <a:chExt cx="0" cy="0"/>
+        </a:xfrm>
+      </p:grpSpPr>
+      <p:sp>
+        <p:nvSpPr>
+          <p:cNvPr id="2" name="Title 1"/>
+          <p:cNvSpPr>
+            <a:spLocks noGrp="1"/>
+          </p:cNvSpPr>
+          <p:nvPr>
+            <p:ph type="title"/>
+          </p:nvPr>
+        </p:nvSpPr>
+        <p:spPr/>
+        <p:txBody>
+          <a:bodyPr/>
+          <a:lstStyle/>
+          <a:p>
+            <a:r>
+              <a:rPr lang="en-US" dirty="0" smtClean="0"/>
+              <a:t>Problems with RBAC</a:t>
+            </a:r>
+            <a:endParaRPr lang="en-US" dirty="0"/>
+          </a:p>
+        </p:txBody>
+      </p:sp>
+      <p:sp>
+        <p:nvSpPr>
+          <p:cNvPr id="3" name="Content Placeholder 2"/>
+          <p:cNvSpPr>
+            <a:spLocks noGrp="1"/>
+          </p:cNvSpPr>
+          <p:nvPr>
+            <p:ph idx="1"/>
+          </p:nvPr>
+        </p:nvSpPr>
+        <p:spPr/>
+        <p:txBody>
+          <a:bodyPr>
+            <a:noAutofit/>
+          </a:bodyPr>
+          <a:lstStyle/>
+          <a:p>
+            <a:r>
+              <a:rPr lang="en-US" sz="2800" dirty="0"/>
+              <a:t>Problems with this are:</a:t>
+            </a:r>
+          </a:p>
+          <a:p>
+            <a:pPr lvl="1"/>
+            <a:r>
+              <a:rPr lang="en-US" dirty="0"/>
+              <a:t>Doesn’t correctly model the real world</a:t>
+            </a:r>
+          </a:p>
+          <a:p>
+            <a:pPr lvl="2"/>
+            <a:r>
+              <a:rPr lang="en-US" dirty="0"/>
+              <a:t>I should only be able to see my team’s salaries, and only while participating in the salary review process</a:t>
+            </a:r>
+          </a:p>
+          <a:p>
+            <a:pPr lvl="1"/>
+            <a:r>
+              <a:rPr lang="en-US" dirty="0"/>
+              <a:t>Hard to evolve</a:t>
+            </a:r>
+          </a:p>
+          <a:p>
+            <a:pPr lvl="1"/>
+            <a:r>
+              <a:rPr lang="en-US" dirty="0"/>
+              <a:t>Hard to manage compliance</a:t>
+            </a:r>
+          </a:p>
+          <a:p>
+            <a:pPr lvl="2"/>
+            <a:r>
+              <a:rPr lang="en-US" dirty="0"/>
+              <a:t>How do I find out who can make a trade of $30m</a:t>
+            </a:r>
+            <a:r>
+              <a:rPr lang="en-US" dirty="0" smtClean="0"/>
+              <a:t>?</a:t>
+            </a:r>
+            <a:endParaRPr lang="en-US" dirty="0"/>
+          </a:p>
+        </p:txBody>
+      </p:sp>
+    </p:spTree>
+    <p:extLst>
+      <p:ext uri="{BB962C8B-B14F-4D97-AF65-F5344CB8AC3E}">
+        <p14:creationId xmlns:p14="http://schemas.microsoft.com/office/powerpoint/2010/main" val="1918681737"/>
       </p:ext>
     </p:extLst>
   </p:cSld>
@@ -6342,6 +6500,555 @@
     <p:extLst>
       <p:ext uri="{BB962C8B-B14F-4D97-AF65-F5344CB8AC3E}">
         <p14:creationId xmlns:p14="http://schemas.microsoft.com/office/powerpoint/2010/main" val="2717208090"/>
+      </p:ext>
+    </p:extLst>
+  </p:cSld>
+  <p:clrMapOvr>
+    <a:masterClrMapping/>
+  </p:clrMapOvr>
+</p:sld>
+</file>
+
+<file path=ppt/slides/slide30.xml><?xml version="1.0" encoding="utf-8"?>
+<p:sld xmlns:a="http://schemas.openxmlformats.org/drawingml/2006/main" xmlns:r="http://schemas.openxmlformats.org/officeDocument/2006/relationships" xmlns:p="http://schemas.openxmlformats.org/presentationml/2006/main">
+  <p:cSld>
+    <p:spTree>
+      <p:nvGrpSpPr>
+        <p:cNvPr id="1" name=""/>
+        <p:cNvGrpSpPr/>
+        <p:nvPr/>
+      </p:nvGrpSpPr>
+      <p:grpSpPr>
+        <a:xfrm>
+          <a:off x="0" y="0"/>
+          <a:ext cx="0" cy="0"/>
+          <a:chOff x="0" y="0"/>
+          <a:chExt cx="0" cy="0"/>
+        </a:xfrm>
+      </p:grpSpPr>
+      <p:sp>
+        <p:nvSpPr>
+          <p:cNvPr id="2" name="Title 1"/>
+          <p:cNvSpPr>
+            <a:spLocks noGrp="1"/>
+          </p:cNvSpPr>
+          <p:nvPr>
+            <p:ph type="title"/>
+          </p:nvPr>
+        </p:nvSpPr>
+        <p:spPr/>
+        <p:txBody>
+          <a:bodyPr/>
+          <a:lstStyle/>
+          <a:p>
+            <a:r>
+              <a:rPr lang="en-US" dirty="0" smtClean="0"/>
+              <a:t>Policy Based Access Control</a:t>
+            </a:r>
+            <a:endParaRPr lang="en-US" dirty="0"/>
+          </a:p>
+        </p:txBody>
+      </p:sp>
+      <p:sp>
+        <p:nvSpPr>
+          <p:cNvPr id="3" name="Content Placeholder 2"/>
+          <p:cNvSpPr>
+            <a:spLocks noGrp="1"/>
+          </p:cNvSpPr>
+          <p:nvPr>
+            <p:ph idx="1"/>
+          </p:nvPr>
+        </p:nvSpPr>
+        <p:spPr/>
+        <p:txBody>
+          <a:bodyPr/>
+          <a:lstStyle/>
+          <a:p>
+            <a:r>
+              <a:rPr lang="en-US" dirty="0" smtClean="0"/>
+              <a:t>Delegate access control decisions to a “Policy Decision Point”</a:t>
+            </a:r>
+          </a:p>
+          <a:p>
+            <a:r>
+              <a:rPr lang="en-US" dirty="0" err="1" smtClean="0"/>
+              <a:t>Utilise</a:t>
+            </a:r>
+            <a:r>
+              <a:rPr lang="en-US" dirty="0" smtClean="0"/>
+              <a:t> more information in the decision</a:t>
+            </a:r>
+          </a:p>
+          <a:p>
+            <a:r>
+              <a:rPr lang="en-US" dirty="0" err="1" smtClean="0"/>
+              <a:t>Externalise</a:t>
+            </a:r>
+            <a:r>
+              <a:rPr lang="en-US" dirty="0" smtClean="0"/>
+              <a:t> the decision from the code</a:t>
+            </a:r>
+          </a:p>
+        </p:txBody>
+      </p:sp>
+    </p:spTree>
+    <p:extLst>
+      <p:ext uri="{BB962C8B-B14F-4D97-AF65-F5344CB8AC3E}">
+        <p14:creationId xmlns:p14="http://schemas.microsoft.com/office/powerpoint/2010/main" val="1907786066"/>
+      </p:ext>
+    </p:extLst>
+  </p:cSld>
+  <p:clrMapOvr>
+    <a:masterClrMapping/>
+  </p:clrMapOvr>
+</p:sld>
+</file>
+
+<file path=ppt/slides/slide31.xml><?xml version="1.0" encoding="utf-8"?>
+<p:sld xmlns:a="http://schemas.openxmlformats.org/drawingml/2006/main" xmlns:r="http://schemas.openxmlformats.org/officeDocument/2006/relationships" xmlns:p="http://schemas.openxmlformats.org/presentationml/2006/main">
+  <p:cSld>
+    <p:spTree>
+      <p:nvGrpSpPr>
+        <p:cNvPr id="1" name=""/>
+        <p:cNvGrpSpPr/>
+        <p:nvPr/>
+      </p:nvGrpSpPr>
+      <p:grpSpPr>
+        <a:xfrm>
+          <a:off x="0" y="0"/>
+          <a:ext cx="0" cy="0"/>
+          <a:chOff x="0" y="0"/>
+          <a:chExt cx="0" cy="0"/>
+        </a:xfrm>
+      </p:grpSpPr>
+      <p:sp>
+        <p:nvSpPr>
+          <p:cNvPr id="2" name="Title 1"/>
+          <p:cNvSpPr>
+            <a:spLocks noGrp="1"/>
+          </p:cNvSpPr>
+          <p:nvPr>
+            <p:ph type="title"/>
+          </p:nvPr>
+        </p:nvSpPr>
+        <p:spPr/>
+        <p:txBody>
+          <a:bodyPr/>
+          <a:lstStyle/>
+          <a:p>
+            <a:r>
+              <a:rPr lang="en-US" dirty="0" smtClean="0"/>
+              <a:t>XACML 3.0</a:t>
+            </a:r>
+            <a:endParaRPr lang="en-US" dirty="0"/>
+          </a:p>
+        </p:txBody>
+      </p:sp>
+      <p:sp>
+        <p:nvSpPr>
+          <p:cNvPr id="3" name="Content Placeholder 2"/>
+          <p:cNvSpPr>
+            <a:spLocks noGrp="1"/>
+          </p:cNvSpPr>
+          <p:nvPr>
+            <p:ph idx="1"/>
+          </p:nvPr>
+        </p:nvSpPr>
+        <p:spPr/>
+        <p:txBody>
+          <a:bodyPr/>
+          <a:lstStyle/>
+          <a:p>
+            <a:r>
+              <a:rPr lang="en-US" dirty="0" smtClean="0"/>
+              <a:t>An XML language for capturing authorization and entitlement </a:t>
+            </a:r>
+          </a:p>
+          <a:p>
+            <a:r>
+              <a:rPr lang="en-US" dirty="0" smtClean="0"/>
+              <a:t>Together with a powerful model</a:t>
+            </a:r>
+            <a:endParaRPr lang="en-US" dirty="0"/>
+          </a:p>
+          <a:p>
+            <a:r>
+              <a:rPr lang="en-US" dirty="0" smtClean="0"/>
+              <a:t>Terminology</a:t>
+            </a:r>
+          </a:p>
+          <a:p>
+            <a:pPr lvl="1"/>
+            <a:r>
+              <a:rPr lang="en-US" dirty="0" smtClean="0"/>
+              <a:t>Policy Decision Point (PDP)</a:t>
+            </a:r>
+          </a:p>
+          <a:p>
+            <a:pPr lvl="1"/>
+            <a:r>
+              <a:rPr lang="en-US" dirty="0" smtClean="0"/>
+              <a:t>Policy Enforcement Point (PEP)</a:t>
+            </a:r>
+          </a:p>
+          <a:p>
+            <a:pPr lvl="1"/>
+            <a:r>
+              <a:rPr lang="en-US" dirty="0" smtClean="0"/>
+              <a:t>Policy Administration Point (PAP)</a:t>
+            </a:r>
+          </a:p>
+          <a:p>
+            <a:pPr lvl="1"/>
+            <a:r>
+              <a:rPr lang="en-US" dirty="0" smtClean="0"/>
+              <a:t>Policy Information Point (PIP)</a:t>
+            </a:r>
+          </a:p>
+        </p:txBody>
+      </p:sp>
+    </p:spTree>
+    <p:extLst>
+      <p:ext uri="{BB962C8B-B14F-4D97-AF65-F5344CB8AC3E}">
+        <p14:creationId xmlns:p14="http://schemas.microsoft.com/office/powerpoint/2010/main" val="1973654880"/>
+      </p:ext>
+    </p:extLst>
+  </p:cSld>
+  <p:clrMapOvr>
+    <a:masterClrMapping/>
+  </p:clrMapOvr>
+</p:sld>
+</file>
+
+<file path=ppt/slides/slide32.xml><?xml version="1.0" encoding="utf-8"?>
+<p:sld xmlns:a="http://schemas.openxmlformats.org/drawingml/2006/main" xmlns:r="http://schemas.openxmlformats.org/officeDocument/2006/relationships" xmlns:p="http://schemas.openxmlformats.org/presentationml/2006/main">
+  <p:cSld>
+    <p:spTree>
+      <p:nvGrpSpPr>
+        <p:cNvPr id="1" name=""/>
+        <p:cNvGrpSpPr/>
+        <p:nvPr/>
+      </p:nvGrpSpPr>
+      <p:grpSpPr>
+        <a:xfrm>
+          <a:off x="0" y="0"/>
+          <a:ext cx="0" cy="0"/>
+          <a:chOff x="0" y="0"/>
+          <a:chExt cx="0" cy="0"/>
+        </a:xfrm>
+      </p:grpSpPr>
+      <p:sp>
+        <p:nvSpPr>
+          <p:cNvPr id="2" name="Title 1"/>
+          <p:cNvSpPr>
+            <a:spLocks noGrp="1"/>
+          </p:cNvSpPr>
+          <p:nvPr>
+            <p:ph type="title"/>
+          </p:nvPr>
+        </p:nvSpPr>
+        <p:spPr/>
+        <p:txBody>
+          <a:bodyPr/>
+          <a:lstStyle/>
+          <a:p>
+            <a:endParaRPr lang="en-US" dirty="0"/>
+          </a:p>
+        </p:txBody>
+      </p:sp>
+      <p:pic>
+        <p:nvPicPr>
+          <p:cNvPr id="8" name="Picture 7"/>
+          <p:cNvPicPr>
+            <a:picLocks noChangeAspect="1"/>
+          </p:cNvPicPr>
+          <p:nvPr/>
+        </p:nvPicPr>
+        <p:blipFill>
+          <a:blip r:embed="rId2"/>
+          <a:stretch>
+            <a:fillRect/>
+          </a:stretch>
+        </p:blipFill>
+        <p:spPr>
+          <a:xfrm>
+            <a:off x="292100" y="0"/>
+            <a:ext cx="8558606" cy="6858000"/>
+          </a:xfrm>
+          <a:prstGeom prst="rect">
+            <a:avLst/>
+          </a:prstGeom>
+        </p:spPr>
+      </p:pic>
+    </p:spTree>
+    <p:extLst>
+      <p:ext uri="{BB962C8B-B14F-4D97-AF65-F5344CB8AC3E}">
+        <p14:creationId xmlns:p14="http://schemas.microsoft.com/office/powerpoint/2010/main" val="152002392"/>
+      </p:ext>
+    </p:extLst>
+  </p:cSld>
+  <p:clrMapOvr>
+    <a:masterClrMapping/>
+  </p:clrMapOvr>
+</p:sld>
+</file>
+
+<file path=ppt/slides/slide33.xml><?xml version="1.0" encoding="utf-8"?>
+<p:sld xmlns:a="http://schemas.openxmlformats.org/drawingml/2006/main" xmlns:r="http://schemas.openxmlformats.org/officeDocument/2006/relationships" xmlns:p="http://schemas.openxmlformats.org/presentationml/2006/main">
+  <p:cSld>
+    <p:spTree>
+      <p:nvGrpSpPr>
+        <p:cNvPr id="1" name=""/>
+        <p:cNvGrpSpPr/>
+        <p:nvPr/>
+      </p:nvGrpSpPr>
+      <p:grpSpPr>
+        <a:xfrm>
+          <a:off x="0" y="0"/>
+          <a:ext cx="0" cy="0"/>
+          <a:chOff x="0" y="0"/>
+          <a:chExt cx="0" cy="0"/>
+        </a:xfrm>
+      </p:grpSpPr>
+      <p:sp>
+        <p:nvSpPr>
+          <p:cNvPr id="2" name="Title 1"/>
+          <p:cNvSpPr>
+            <a:spLocks noGrp="1"/>
+          </p:cNvSpPr>
+          <p:nvPr>
+            <p:ph type="title"/>
+          </p:nvPr>
+        </p:nvSpPr>
+        <p:spPr/>
+        <p:txBody>
+          <a:bodyPr/>
+          <a:lstStyle/>
+          <a:p>
+            <a:r>
+              <a:rPr lang="en-US" dirty="0" smtClean="0"/>
+              <a:t>What can you do with XACML?</a:t>
+            </a:r>
+            <a:endParaRPr lang="en-US" dirty="0"/>
+          </a:p>
+        </p:txBody>
+      </p:sp>
+      <p:sp>
+        <p:nvSpPr>
+          <p:cNvPr id="3" name="Content Placeholder 2"/>
+          <p:cNvSpPr>
+            <a:spLocks noGrp="1"/>
+          </p:cNvSpPr>
+          <p:nvPr>
+            <p:ph idx="1"/>
+          </p:nvPr>
+        </p:nvSpPr>
+        <p:spPr/>
+        <p:txBody>
+          <a:bodyPr>
+            <a:normAutofit fontScale="92500" lnSpcReduction="20000"/>
+          </a:bodyPr>
+          <a:lstStyle/>
+          <a:p>
+            <a:r>
+              <a:rPr lang="en-US" dirty="0" smtClean="0"/>
+              <a:t>Encode rules such as:</a:t>
+            </a:r>
+          </a:p>
+          <a:p>
+            <a:r>
+              <a:rPr lang="en-US" dirty="0" smtClean="0"/>
+              <a:t>X can access record Y if:</a:t>
+            </a:r>
+          </a:p>
+          <a:p>
+            <a:pPr lvl="1"/>
+            <a:r>
+              <a:rPr lang="en-US" dirty="0" smtClean="0"/>
+              <a:t>X is the patient for record Y</a:t>
+            </a:r>
+          </a:p>
+          <a:p>
+            <a:pPr lvl="1"/>
+            <a:r>
+              <a:rPr lang="en-US" dirty="0" smtClean="0"/>
+              <a:t>X is the doctor of the patient and working on the patients behalf</a:t>
+            </a:r>
+          </a:p>
+          <a:p>
+            <a:pPr lvl="1"/>
+            <a:r>
+              <a:rPr lang="en-US" dirty="0" smtClean="0"/>
+              <a:t>X is the guardian or parent of the patient</a:t>
+            </a:r>
+            <a:endParaRPr lang="en-US" dirty="0"/>
+          </a:p>
+          <a:p>
+            <a:r>
+              <a:rPr lang="en-US" dirty="0" smtClean="0"/>
+              <a:t>How does this data get to the decision point?</a:t>
+            </a:r>
+          </a:p>
+          <a:p>
+            <a:pPr lvl="1"/>
+            <a:r>
+              <a:rPr lang="en-US" dirty="0" smtClean="0"/>
+              <a:t>In claims (e.g. there may be a claim saying that the doctor is logged into the hospital records system)</a:t>
+            </a:r>
+          </a:p>
+          <a:p>
+            <a:pPr lvl="1"/>
+            <a:r>
+              <a:rPr lang="en-US" dirty="0" smtClean="0"/>
+              <a:t>In further information available to the PIP</a:t>
+            </a:r>
+          </a:p>
+          <a:p>
+            <a:pPr lvl="2"/>
+            <a:r>
+              <a:rPr lang="en-US" dirty="0" smtClean="0"/>
+              <a:t>LDAP lookup shows I am Z’s guardian</a:t>
+            </a:r>
+            <a:endParaRPr lang="en-US" dirty="0"/>
+          </a:p>
+        </p:txBody>
+      </p:sp>
+    </p:spTree>
+    <p:extLst>
+      <p:ext uri="{BB962C8B-B14F-4D97-AF65-F5344CB8AC3E}">
+        <p14:creationId xmlns:p14="http://schemas.microsoft.com/office/powerpoint/2010/main" val="1245868694"/>
+      </p:ext>
+    </p:extLst>
+  </p:cSld>
+  <p:clrMapOvr>
+    <a:masterClrMapping/>
+  </p:clrMapOvr>
+</p:sld>
+</file>
+
+<file path=ppt/slides/slide34.xml><?xml version="1.0" encoding="utf-8"?>
+<p:sld xmlns:a="http://schemas.openxmlformats.org/drawingml/2006/main" xmlns:r="http://schemas.openxmlformats.org/officeDocument/2006/relationships" xmlns:p="http://schemas.openxmlformats.org/presentationml/2006/main">
+  <p:cSld>
+    <p:spTree>
+      <p:nvGrpSpPr>
+        <p:cNvPr id="1" name=""/>
+        <p:cNvGrpSpPr/>
+        <p:nvPr/>
+      </p:nvGrpSpPr>
+      <p:grpSpPr>
+        <a:xfrm>
+          <a:off x="0" y="0"/>
+          <a:ext cx="0" cy="0"/>
+          <a:chOff x="0" y="0"/>
+          <a:chExt cx="0" cy="0"/>
+        </a:xfrm>
+      </p:grpSpPr>
+      <p:sp>
+        <p:nvSpPr>
+          <p:cNvPr id="2" name="Title 1"/>
+          <p:cNvSpPr>
+            <a:spLocks noGrp="1"/>
+          </p:cNvSpPr>
+          <p:nvPr>
+            <p:ph type="title"/>
+          </p:nvPr>
+        </p:nvSpPr>
+        <p:spPr/>
+        <p:txBody>
+          <a:bodyPr/>
+          <a:lstStyle/>
+          <a:p>
+            <a:r>
+              <a:rPr lang="en-US" dirty="0" smtClean="0"/>
+              <a:t>Resources</a:t>
+            </a:r>
+            <a:endParaRPr lang="en-US" dirty="0"/>
+          </a:p>
+        </p:txBody>
+      </p:sp>
+      <p:sp>
+        <p:nvSpPr>
+          <p:cNvPr id="3" name="Content Placeholder 2"/>
+          <p:cNvSpPr>
+            <a:spLocks noGrp="1"/>
+          </p:cNvSpPr>
+          <p:nvPr>
+            <p:ph idx="1"/>
+          </p:nvPr>
+        </p:nvSpPr>
+        <p:spPr/>
+        <p:txBody>
+          <a:bodyPr/>
+          <a:lstStyle/>
+          <a:p>
+            <a:r>
+              <a:rPr lang="en-US" dirty="0"/>
+              <a:t>Applied </a:t>
+            </a:r>
+            <a:r>
+              <a:rPr lang="en-US" dirty="0" smtClean="0"/>
+              <a:t>Cryptography, Second Edition, Bruce </a:t>
+            </a:r>
+            <a:r>
+              <a:rPr lang="en-US" dirty="0" err="1" smtClean="0"/>
+              <a:t>Schneier</a:t>
+            </a:r>
+            <a:r>
+              <a:rPr lang="en-US" dirty="0" smtClean="0"/>
+              <a:t>, John </a:t>
+            </a:r>
+            <a:r>
+              <a:rPr lang="en-US" dirty="0"/>
+              <a:t>Wiley &amp; Sons, </a:t>
+            </a:r>
+            <a:r>
+              <a:rPr lang="en-US" dirty="0" smtClean="0"/>
+              <a:t>1996, ISBN </a:t>
+            </a:r>
+            <a:r>
+              <a:rPr lang="en-US" dirty="0"/>
+              <a:t>0-471-11709-9 </a:t>
+            </a:r>
+            <a:endParaRPr lang="en-US" dirty="0" smtClean="0"/>
+          </a:p>
+          <a:p>
+            <a:r>
+              <a:rPr lang="en-US" dirty="0"/>
+              <a:t>Web Services </a:t>
+            </a:r>
+            <a:r>
+              <a:rPr lang="en-US" dirty="0" smtClean="0"/>
+              <a:t>Security, </a:t>
+            </a:r>
+            <a:r>
+              <a:rPr lang="en-US" dirty="0"/>
+              <a:t>Mark O’Neill, 2003, </a:t>
+            </a:r>
+            <a:r>
+              <a:rPr lang="en-US"/>
+              <a:t>ISBN </a:t>
+            </a:r>
+            <a:r>
+              <a:rPr lang="en-US" smtClean="0"/>
+              <a:t>0072224711</a:t>
+            </a:r>
+            <a:endParaRPr lang="en-US" dirty="0" smtClean="0"/>
+          </a:p>
+          <a:p>
+            <a:r>
+              <a:rPr lang="en-US" dirty="0" smtClean="0"/>
+              <a:t>Google (sorry but there are too many links!)</a:t>
+            </a:r>
+          </a:p>
+          <a:p>
+            <a:endParaRPr lang="en-US" dirty="0"/>
+          </a:p>
+        </p:txBody>
+      </p:sp>
+    </p:spTree>
+    <p:extLst>
+      <p:ext uri="{BB962C8B-B14F-4D97-AF65-F5344CB8AC3E}">
+        <p14:creationId xmlns:p14="http://schemas.microsoft.com/office/powerpoint/2010/main" val="1661868161"/>
       </p:ext>
     </p:extLst>
   </p:cSld>
